--- a/240604_Step3-1発表.pptx
+++ b/240604_Step3-1発表.pptx
@@ -132,12 +132,12 @@
   <pc:docChgLst>
     <pc:chgData name="Hirotsugu Kawai" userId="655514748c684ff0" providerId="LiveId" clId="{FD75EE3F-C972-415A-9B6D-647982300418}"/>
     <pc:docChg chg="undo custSel addSld modSld modMainMaster">
-      <pc:chgData name="Hirotsugu Kawai" userId="655514748c684ff0" providerId="LiveId" clId="{FD75EE3F-C972-415A-9B6D-647982300418}" dt="2024-05-31T05:42:43.205" v="3348" actId="20577"/>
+      <pc:chgData name="Hirotsugu Kawai" userId="655514748c684ff0" providerId="LiveId" clId="{FD75EE3F-C972-415A-9B6D-647982300418}" dt="2024-06-02T12:11:08.415" v="3774" actId="207"/>
       <pc:docMkLst>
         <pc:docMk/>
       </pc:docMkLst>
       <pc:sldChg chg="addSp modSp new mod setBg addAnim modAnim">
-        <pc:chgData name="Hirotsugu Kawai" userId="655514748c684ff0" providerId="LiveId" clId="{FD75EE3F-C972-415A-9B6D-647982300418}" dt="2024-05-27T11:21:19.155" v="99" actId="121"/>
+        <pc:chgData name="Hirotsugu Kawai" userId="655514748c684ff0" providerId="LiveId" clId="{FD75EE3F-C972-415A-9B6D-647982300418}" dt="2024-05-31T09:07:11.090" v="3350" actId="33524"/>
         <pc:sldMkLst>
           <pc:docMk/>
           <pc:sldMk cId="1496863626" sldId="256"/>
@@ -151,7 +151,7 @@
           </ac:spMkLst>
         </pc:spChg>
         <pc:spChg chg="mod">
-          <ac:chgData name="Hirotsugu Kawai" userId="655514748c684ff0" providerId="LiveId" clId="{FD75EE3F-C972-415A-9B6D-647982300418}" dt="2024-05-27T11:21:19.155" v="99" actId="121"/>
+          <ac:chgData name="Hirotsugu Kawai" userId="655514748c684ff0" providerId="LiveId" clId="{FD75EE3F-C972-415A-9B6D-647982300418}" dt="2024-05-31T09:07:11.090" v="3350" actId="33524"/>
           <ac:spMkLst>
             <pc:docMk/>
             <pc:sldMk cId="1496863626" sldId="256"/>
@@ -428,7 +428,7 @@
         </pc:spChg>
       </pc:sldChg>
       <pc:sldChg chg="addSp modSp new mod">
-        <pc:chgData name="Hirotsugu Kawai" userId="655514748c684ff0" providerId="LiveId" clId="{FD75EE3F-C972-415A-9B6D-647982300418}" dt="2024-05-31T02:41:39.984" v="2357" actId="403"/>
+        <pc:chgData name="Hirotsugu Kawai" userId="655514748c684ff0" providerId="LiveId" clId="{FD75EE3F-C972-415A-9B6D-647982300418}" dt="2024-06-02T12:11:08.415" v="3774" actId="207"/>
         <pc:sldMkLst>
           <pc:docMk/>
           <pc:sldMk cId="191846780" sldId="261"/>
@@ -442,7 +442,7 @@
           </ac:spMkLst>
         </pc:spChg>
         <pc:graphicFrameChg chg="add mod modGraphic">
-          <ac:chgData name="Hirotsugu Kawai" userId="655514748c684ff0" providerId="LiveId" clId="{FD75EE3F-C972-415A-9B6D-647982300418}" dt="2024-05-31T02:41:39.984" v="2357" actId="403"/>
+          <ac:chgData name="Hirotsugu Kawai" userId="655514748c684ff0" providerId="LiveId" clId="{FD75EE3F-C972-415A-9B6D-647982300418}" dt="2024-06-02T12:11:08.415" v="3774" actId="207"/>
           <ac:graphicFrameMkLst>
             <pc:docMk/>
             <pc:sldMk cId="191846780" sldId="261"/>
@@ -451,7 +451,7 @@
         </pc:graphicFrameChg>
       </pc:sldChg>
       <pc:sldChg chg="addSp modSp new mod">
-        <pc:chgData name="Hirotsugu Kawai" userId="655514748c684ff0" providerId="LiveId" clId="{FD75EE3F-C972-415A-9B6D-647982300418}" dt="2024-05-31T05:33:50.494" v="3252" actId="1038"/>
+        <pc:chgData name="Hirotsugu Kawai" userId="655514748c684ff0" providerId="LiveId" clId="{FD75EE3F-C972-415A-9B6D-647982300418}" dt="2024-05-31T09:05:53.355" v="3349" actId="113"/>
         <pc:sldMkLst>
           <pc:docMk/>
           <pc:sldMk cId="1309735309" sldId="262"/>
@@ -537,7 +537,7 @@
           </ac:spMkLst>
         </pc:spChg>
         <pc:spChg chg="add mod">
-          <ac:chgData name="Hirotsugu Kawai" userId="655514748c684ff0" providerId="LiveId" clId="{FD75EE3F-C972-415A-9B6D-647982300418}" dt="2024-05-31T04:41:24.790" v="2780" actId="14100"/>
+          <ac:chgData name="Hirotsugu Kawai" userId="655514748c684ff0" providerId="LiveId" clId="{FD75EE3F-C972-415A-9B6D-647982300418}" dt="2024-05-31T09:05:53.355" v="3349" actId="113"/>
           <ac:spMkLst>
             <pc:docMk/>
             <pc:sldMk cId="1309735309" sldId="262"/>
@@ -738,7 +738,7 @@
         </pc:cxnChg>
       </pc:sldChg>
       <pc:sldChg chg="addSp modSp new mod">
-        <pc:chgData name="Hirotsugu Kawai" userId="655514748c684ff0" providerId="LiveId" clId="{FD75EE3F-C972-415A-9B6D-647982300418}" dt="2024-05-31T05:42:43.205" v="3348" actId="20577"/>
+        <pc:chgData name="Hirotsugu Kawai" userId="655514748c684ff0" providerId="LiveId" clId="{FD75EE3F-C972-415A-9B6D-647982300418}" dt="2024-06-02T11:53:57.299" v="3744" actId="20577"/>
         <pc:sldMkLst>
           <pc:docMk/>
           <pc:sldMk cId="351203236" sldId="263"/>
@@ -752,7 +752,7 @@
           </ac:spMkLst>
         </pc:spChg>
         <pc:graphicFrameChg chg="add mod modGraphic">
-          <ac:chgData name="Hirotsugu Kawai" userId="655514748c684ff0" providerId="LiveId" clId="{FD75EE3F-C972-415A-9B6D-647982300418}" dt="2024-05-31T05:42:43.205" v="3348" actId="20577"/>
+          <ac:chgData name="Hirotsugu Kawai" userId="655514748c684ff0" providerId="LiveId" clId="{FD75EE3F-C972-415A-9B6D-647982300418}" dt="2024-06-02T11:53:57.299" v="3744" actId="20577"/>
           <ac:graphicFrameMkLst>
             <pc:docMk/>
             <pc:sldMk cId="351203236" sldId="263"/>
@@ -960,7 +960,7 @@
           <a:p>
             <a:fld id="{6CC5C837-6054-460F-B913-8294A398D4B3}" type="datetimeFigureOut">
               <a:rPr kumimoji="1" lang="ja-JP" altLang="en-US" smtClean="0"/>
-              <a:t>2024/5/31</a:t>
+              <a:t>2024/6/2</a:t>
             </a:fld>
             <a:endParaRPr kumimoji="1" lang="ja-JP" altLang="en-US"/>
           </a:p>
@@ -1190,7 +1190,7 @@
           <a:p>
             <a:fld id="{6CC5C837-6054-460F-B913-8294A398D4B3}" type="datetimeFigureOut">
               <a:rPr kumimoji="1" lang="ja-JP" altLang="en-US" smtClean="0"/>
-              <a:t>2024/5/31</a:t>
+              <a:t>2024/6/2</a:t>
             </a:fld>
             <a:endParaRPr kumimoji="1" lang="ja-JP" altLang="en-US"/>
           </a:p>
@@ -1430,7 +1430,7 @@
           <a:p>
             <a:fld id="{6CC5C837-6054-460F-B913-8294A398D4B3}" type="datetimeFigureOut">
               <a:rPr kumimoji="1" lang="ja-JP" altLang="en-US" smtClean="0"/>
-              <a:t>2024/5/31</a:t>
+              <a:t>2024/6/2</a:t>
             </a:fld>
             <a:endParaRPr kumimoji="1" lang="ja-JP" altLang="en-US"/>
           </a:p>
@@ -1660,7 +1660,7 @@
           <a:p>
             <a:fld id="{6CC5C837-6054-460F-B913-8294A398D4B3}" type="datetimeFigureOut">
               <a:rPr kumimoji="1" lang="ja-JP" altLang="en-US" smtClean="0"/>
-              <a:t>2024/5/31</a:t>
+              <a:t>2024/6/2</a:t>
             </a:fld>
             <a:endParaRPr kumimoji="1" lang="ja-JP" altLang="en-US"/>
           </a:p>
@@ -1935,7 +1935,7 @@
           <a:p>
             <a:fld id="{6CC5C837-6054-460F-B913-8294A398D4B3}" type="datetimeFigureOut">
               <a:rPr kumimoji="1" lang="ja-JP" altLang="en-US" smtClean="0"/>
-              <a:t>2024/5/31</a:t>
+              <a:t>2024/6/2</a:t>
             </a:fld>
             <a:endParaRPr kumimoji="1" lang="ja-JP" altLang="en-US"/>
           </a:p>
@@ -2264,7 +2264,7 @@
           <a:p>
             <a:fld id="{6CC5C837-6054-460F-B913-8294A398D4B3}" type="datetimeFigureOut">
               <a:rPr kumimoji="1" lang="ja-JP" altLang="en-US" smtClean="0"/>
-              <a:t>2024/5/31</a:t>
+              <a:t>2024/6/2</a:t>
             </a:fld>
             <a:endParaRPr kumimoji="1" lang="ja-JP" altLang="en-US"/>
           </a:p>
@@ -2740,7 +2740,7 @@
           <a:p>
             <a:fld id="{6CC5C837-6054-460F-B913-8294A398D4B3}" type="datetimeFigureOut">
               <a:rPr kumimoji="1" lang="ja-JP" altLang="en-US" smtClean="0"/>
-              <a:t>2024/5/31</a:t>
+              <a:t>2024/6/2</a:t>
             </a:fld>
             <a:endParaRPr kumimoji="1" lang="ja-JP" altLang="en-US"/>
           </a:p>
@@ -2911,7 +2911,7 @@
           <a:p>
             <a:fld id="{6CC5C837-6054-460F-B913-8294A398D4B3}" type="datetimeFigureOut">
               <a:rPr kumimoji="1" lang="ja-JP" altLang="en-US" smtClean="0"/>
-              <a:t>2024/5/31</a:t>
+              <a:t>2024/6/2</a:t>
             </a:fld>
             <a:endParaRPr kumimoji="1" lang="ja-JP" altLang="en-US"/>
           </a:p>
@@ -3024,7 +3024,7 @@
           <a:p>
             <a:fld id="{6CC5C837-6054-460F-B913-8294A398D4B3}" type="datetimeFigureOut">
               <a:rPr kumimoji="1" lang="ja-JP" altLang="en-US" smtClean="0"/>
-              <a:t>2024/5/31</a:t>
+              <a:t>2024/6/2</a:t>
             </a:fld>
             <a:endParaRPr kumimoji="1" lang="ja-JP" altLang="en-US"/>
           </a:p>
@@ -3367,7 +3367,7 @@
           <a:p>
             <a:fld id="{6CC5C837-6054-460F-B913-8294A398D4B3}" type="datetimeFigureOut">
               <a:rPr kumimoji="1" lang="ja-JP" altLang="en-US" smtClean="0"/>
-              <a:t>2024/5/31</a:t>
+              <a:t>2024/6/2</a:t>
             </a:fld>
             <a:endParaRPr kumimoji="1" lang="ja-JP" altLang="en-US"/>
           </a:p>
@@ -3655,7 +3655,7 @@
           <a:p>
             <a:fld id="{6CC5C837-6054-460F-B913-8294A398D4B3}" type="datetimeFigureOut">
               <a:rPr kumimoji="1" lang="ja-JP" altLang="en-US" smtClean="0"/>
-              <a:t>2024/5/31</a:t>
+              <a:t>2024/6/2</a:t>
             </a:fld>
             <a:endParaRPr kumimoji="1" lang="ja-JP" altLang="en-US"/>
           </a:p>
@@ -3928,7 +3928,7 @@
           <a:p>
             <a:fld id="{6CC5C837-6054-460F-B913-8294A398D4B3}" type="datetimeFigureOut">
               <a:rPr kumimoji="1" lang="ja-JP" altLang="en-US" smtClean="0"/>
-              <a:t>2024/5/31</a:t>
+              <a:t>2024/6/2</a:t>
             </a:fld>
             <a:endParaRPr kumimoji="1" lang="ja-JP" altLang="en-US"/>
           </a:p>
@@ -4497,7 +4497,7 @@
             </a:r>
             <a:r>
               <a:rPr kumimoji="1" lang="en-US" altLang="ja-JP" dirty="0"/>
-              <a:t> 2024</a:t>
+              <a:t>, 2024</a:t>
             </a:r>
           </a:p>
           <a:p>
@@ -6016,7 +6016,7 @@
           <p:nvPr>
             <p:extLst>
               <p:ext uri="{D42A27DB-BD31-4B8C-83A1-F6EECF244321}">
-                <p14:modId xmlns:p14="http://schemas.microsoft.com/office/powerpoint/2010/main" val="3677385245"/>
+                <p14:modId xmlns:p14="http://schemas.microsoft.com/office/powerpoint/2010/main" val="4220225308"/>
               </p:ext>
             </p:extLst>
           </p:nvPr>
@@ -6250,7 +6250,10 @@
                   </a:txBody>
                   <a:tcPr anchor="ctr">
                     <a:solidFill>
-                      <a:srgbClr val="E7EAED"/>
+                      <a:schemeClr val="accent2">
+                        <a:lumMod val="20000"/>
+                        <a:lumOff val="80000"/>
+                      </a:schemeClr>
                     </a:solidFill>
                   </a:tcPr>
                 </a:tc>
@@ -6373,15 +6376,7 @@
                       </a:pPr>
                       <a:r>
                         <a:rPr kumimoji="1" lang="ja-JP" altLang="en-US" b="1" dirty="0"/>
-                        <a:t>半径</a:t>
-                      </a:r>
-                      <a:r>
-                        <a:rPr kumimoji="1" lang="en-US" altLang="ja-JP" b="1" dirty="0"/>
-                        <a:t>500m</a:t>
-                      </a:r>
-                      <a:r>
-                        <a:rPr kumimoji="1" lang="ja-JP" altLang="en-US" b="1" dirty="0"/>
-                        <a:t>以内に立地する物件のみを抽出</a:t>
+                        <a:t>必要な施設が立地する物件のみを抽出</a:t>
                       </a:r>
                       <a:endParaRPr kumimoji="1" lang="en-US" altLang="ja-JP" b="1" dirty="0"/>
                     </a:p>
@@ -6403,7 +6398,14 @@
                       </a:r>
                     </a:p>
                   </a:txBody>
-                  <a:tcPr anchor="ctr"/>
+                  <a:tcPr anchor="ctr">
+                    <a:solidFill>
+                      <a:schemeClr val="accent2">
+                        <a:lumMod val="20000"/>
+                        <a:lumOff val="80000"/>
+                      </a:schemeClr>
+                    </a:solidFill>
+                  </a:tcPr>
                 </a:tc>
                 <a:extLst>
                   <a:ext uri="{0D108BD9-81ED-4DB2-BD59-A6C34878D82A}">
@@ -7514,18 +7516,18 @@
           <a:p>
             <a:pPr algn="ctr"/>
             <a:r>
-              <a:rPr kumimoji="1" lang="en-US" altLang="ja-JP" sz="1400" dirty="0" err="1"/>
+              <a:rPr kumimoji="1" lang="en-US" altLang="ja-JP" sz="1400" b="1" dirty="0" err="1"/>
               <a:t>Streamlit</a:t>
             </a:r>
-            <a:endParaRPr kumimoji="1" lang="en-US" altLang="ja-JP" sz="1400" dirty="0"/>
+            <a:endParaRPr kumimoji="1" lang="en-US" altLang="ja-JP" sz="1400" b="1" dirty="0"/>
           </a:p>
           <a:p>
             <a:pPr algn="ctr"/>
             <a:r>
-              <a:rPr lang="en-US" altLang="ja-JP" sz="1400" dirty="0"/>
+              <a:rPr lang="en-US" altLang="ja-JP" sz="1400" b="1" dirty="0"/>
               <a:t>Authenticator</a:t>
             </a:r>
-            <a:endParaRPr kumimoji="1" lang="ja-JP" altLang="en-US" sz="1400" dirty="0"/>
+            <a:endParaRPr kumimoji="1" lang="ja-JP" altLang="en-US" sz="1400" b="1" dirty="0"/>
           </a:p>
         </p:txBody>
       </p:sp>
@@ -8031,14 +8033,14 @@
           <p:nvPr>
             <p:extLst>
               <p:ext uri="{D42A27DB-BD31-4B8C-83A1-F6EECF244321}">
-                <p14:modId xmlns:p14="http://schemas.microsoft.com/office/powerpoint/2010/main" val="350102878"/>
+                <p14:modId xmlns:p14="http://schemas.microsoft.com/office/powerpoint/2010/main" val="1842037502"/>
               </p:ext>
             </p:extLst>
           </p:nvPr>
         </p:nvGraphicFramePr>
         <p:xfrm>
           <a:off x="714375" y="719666"/>
-          <a:ext cx="10763250" cy="1828800"/>
+          <a:ext cx="10763250" cy="3698240"/>
         </p:xfrm>
         <a:graphic>
           <a:graphicData uri="http://schemas.openxmlformats.org/drawingml/2006/table">
@@ -8134,10 +8136,45 @@
                         <a:buChar char="•"/>
                       </a:pPr>
                       <a:r>
+                        <a:rPr kumimoji="1" lang="ja-JP" altLang="en-US" dirty="0"/>
+                        <a:t>フロント側を初手で作ったが、早々に保守性の悪いスパゲティ・コードが茹で上がった。</a:t>
+                      </a:r>
+                      <a:endParaRPr kumimoji="1" lang="en-US" altLang="ja-JP" dirty="0"/>
+                    </a:p>
+                    <a:p>
+                      <a:pPr marL="285750" indent="-285750">
+                        <a:spcAft>
+                          <a:spcPts val="600"/>
+                        </a:spcAft>
+                        <a:buFont typeface="Arial" panose="020B0604020202020204" pitchFamily="34" charset="0"/>
+                        <a:buChar char="•"/>
+                      </a:pPr>
+                      <a:r>
+                        <a:rPr kumimoji="1" lang="ja-JP" altLang="en-US" dirty="0"/>
+                        <a:t>モジュールごとの開発について理解が深まったので、次はもっと簡潔なものを目指す。</a:t>
+                      </a:r>
+                      <a:endParaRPr kumimoji="1" lang="en-US" altLang="ja-JP" dirty="0"/>
+                    </a:p>
+                    <a:p>
+                      <a:pPr marL="285750" indent="-285750">
+                        <a:spcAft>
+                          <a:spcPts val="600"/>
+                        </a:spcAft>
+                        <a:buFont typeface="Arial" panose="020B0604020202020204" pitchFamily="34" charset="0"/>
+                        <a:buChar char="•"/>
+                      </a:pPr>
+                      <a:r>
+                        <a:rPr kumimoji="1" lang="ja-JP" altLang="en-US" dirty="0"/>
+                        <a:t>アプリの裏側のデータ処理の仕組みを、より</a:t>
+                      </a:r>
+                      <a:br>
                         <a:rPr kumimoji="1" lang="en-US" altLang="ja-JP" dirty="0"/>
-                        <a:t>D</a:t>
+                      </a:br>
+                      <a:r>
+                        <a:rPr kumimoji="1" lang="ja-JP" altLang="en-US" dirty="0"/>
+                        <a:t>深く広く学んでいきたい。</a:t>
                       </a:r>
-                      <a:endParaRPr kumimoji="1" lang="ja-JP" altLang="en-US" dirty="0"/>
+                      <a:endParaRPr kumimoji="1" lang="en-US" altLang="ja-JP" dirty="0"/>
                     </a:p>
                   </a:txBody>
                   <a:tcPr/>
@@ -8204,8 +8241,23 @@
                       </a:pPr>
                       <a:r>
                         <a:rPr kumimoji="1" lang="en-US" altLang="ja-JP" dirty="0"/>
-                        <a:t>D</a:t>
+                        <a:t>Gmail API</a:t>
                       </a:r>
+                      <a:r>
+                        <a:rPr kumimoji="1" lang="ja-JP" altLang="en-US" dirty="0"/>
+                        <a:t>を活用した情報共有の仕組みを実装。</a:t>
+                      </a:r>
+                      <a:endParaRPr kumimoji="1" lang="en-US" altLang="ja-JP" dirty="0"/>
+                    </a:p>
+                    <a:p>
+                      <a:pPr marL="285750" indent="-285750">
+                        <a:spcAft>
+                          <a:spcPts val="600"/>
+                        </a:spcAft>
+                        <a:buFont typeface="Arial" panose="020B0604020202020204" pitchFamily="34" charset="0"/>
+                        <a:buChar char="•"/>
+                      </a:pPr>
+                      <a:endParaRPr kumimoji="1" lang="en-US" altLang="ja-JP" dirty="0"/>
                     </a:p>
                     <a:p>
                       <a:pPr marL="285750" indent="-285750">

--- a/240604_Step3-1発表.pptx
+++ b/240604_Step3-1発表.pptx
@@ -8033,14 +8033,14 @@
           <p:nvPr>
             <p:extLst>
               <p:ext uri="{D42A27DB-BD31-4B8C-83A1-F6EECF244321}">
-                <p14:modId xmlns:p14="http://schemas.microsoft.com/office/powerpoint/2010/main" val="1842037502"/>
+                <p14:modId xmlns:p14="http://schemas.microsoft.com/office/powerpoint/2010/main" val="3223768821"/>
               </p:ext>
             </p:extLst>
           </p:nvPr>
         </p:nvGraphicFramePr>
         <p:xfrm>
           <a:off x="714375" y="719666"/>
-          <a:ext cx="10763250" cy="3698240"/>
+          <a:ext cx="10763250" cy="4947920"/>
         </p:xfrm>
         <a:graphic>
           <a:graphicData uri="http://schemas.openxmlformats.org/drawingml/2006/table">
@@ -8107,6 +8107,30 @@
                     <a:bodyPr/>
                     <a:lstStyle/>
                     <a:p>
+                      <a:pPr marL="285750" marR="0" lvl="0" indent="-285750" algn="l" defTabSz="914400" rtl="0" eaLnBrk="1" fontAlgn="auto" latinLnBrk="0" hangingPunct="1">
+                        <a:lnSpc>
+                          <a:spcPct val="100000"/>
+                        </a:lnSpc>
+                        <a:spcBef>
+                          <a:spcPts val="0"/>
+                        </a:spcBef>
+                        <a:spcAft>
+                          <a:spcPts val="600"/>
+                        </a:spcAft>
+                        <a:buClrTx/>
+                        <a:buSzTx/>
+                        <a:buFont typeface="Arial" panose="020B0604020202020204" pitchFamily="34" charset="0"/>
+                        <a:buChar char="•"/>
+                        <a:tabLst/>
+                        <a:defRPr/>
+                      </a:pPr>
+                      <a:r>
+                        <a:rPr kumimoji="1" lang="ja-JP" altLang="en-US" dirty="0"/>
+                        <a:t>ターゲットの悩みを解決する方法を考えたうえで、形にできたのはよかった（机上の空論で終わらなかった）。</a:t>
+                      </a:r>
+                      <a:endParaRPr kumimoji="1" lang="en-US" altLang="ja-JP" dirty="0"/>
+                    </a:p>
+                    <a:p>
                       <a:pPr marL="285750" indent="-285750">
                         <a:spcAft>
                           <a:spcPts val="600"/>
@@ -8115,10 +8139,35 @@
                         <a:buChar char="•"/>
                       </a:pPr>
                       <a:r>
+                        <a:rPr kumimoji="1" lang="en-US" altLang="ja-JP" dirty="0" err="1"/>
+                        <a:t>Streamlit</a:t>
+                      </a:r>
+                      <a:r>
+                        <a:rPr kumimoji="1" lang="ja-JP" altLang="en-US" dirty="0"/>
+                        <a:t>での</a:t>
+                      </a:r>
+                      <a:r>
                         <a:rPr kumimoji="1" lang="en-US" altLang="ja-JP" dirty="0"/>
-                        <a:t>D</a:t>
+                        <a:t>Web</a:t>
                       </a:r>
-                      <a:endParaRPr kumimoji="1" lang="ja-JP" altLang="en-US" dirty="0"/>
+                      <a:r>
+                        <a:rPr kumimoji="1" lang="ja-JP" altLang="en-US" dirty="0"/>
+                        <a:t>アプリ作成を復習できてよかったと思う一方、初めて知ることも多くフィールドは広いと感じた</a:t>
+                      </a:r>
+                      <a:endParaRPr kumimoji="1" lang="en-US" altLang="ja-JP" dirty="0"/>
+                    </a:p>
+                    <a:p>
+                      <a:pPr marL="285750" indent="-285750">
+                        <a:spcAft>
+                          <a:spcPts val="600"/>
+                        </a:spcAft>
+                        <a:buFont typeface="Arial" panose="020B0604020202020204" pitchFamily="34" charset="0"/>
+                        <a:buChar char="•"/>
+                      </a:pPr>
+                      <a:r>
+                        <a:rPr kumimoji="1" lang="ja-JP" altLang="en-US" dirty="0"/>
+                        <a:t>セッション管理の理解（使い分け）があいまいとなっているので深堀していきたい。</a:t>
+                      </a:r>
                     </a:p>
                   </a:txBody>
                   <a:tcPr/>
@@ -8257,6 +8306,42 @@
                         <a:buFont typeface="Arial" panose="020B0604020202020204" pitchFamily="34" charset="0"/>
                         <a:buChar char="•"/>
                       </a:pPr>
+                      <a:r>
+                        <a:rPr kumimoji="1" lang="ja-JP" altLang="en-US" dirty="0"/>
+                        <a:t>スマート化</a:t>
+                      </a:r>
+                      <a:endParaRPr kumimoji="1" lang="en-US" altLang="ja-JP" dirty="0"/>
+                    </a:p>
+                    <a:p>
+                      <a:pPr marL="0" indent="0">
+                        <a:spcAft>
+                          <a:spcPts val="600"/>
+                        </a:spcAft>
+                        <a:buFont typeface="Arial" panose="020B0604020202020204" pitchFamily="34" charset="0"/>
+                        <a:buNone/>
+                      </a:pPr>
+                      <a:r>
+                        <a:rPr kumimoji="1" lang="ja-JP" altLang="en-US" dirty="0"/>
+                        <a:t>　→変わりにくい情報（年収や家族情報など）はユーザー登録の段階で済ませておく</a:t>
+                      </a:r>
+                      <a:endParaRPr kumimoji="1" lang="en-US" altLang="ja-JP" dirty="0"/>
+                    </a:p>
+                    <a:p>
+                      <a:pPr marL="0" indent="0">
+                        <a:spcAft>
+                          <a:spcPts val="600"/>
+                        </a:spcAft>
+                        <a:buFont typeface="Arial" panose="020B0604020202020204" pitchFamily="34" charset="0"/>
+                        <a:buNone/>
+                      </a:pPr>
+                      <a:r>
+                        <a:rPr kumimoji="1" lang="ja-JP" altLang="en-US" dirty="0"/>
+                        <a:t>　→メイン画面をより</a:t>
+                      </a:r>
+                      <a:r>
+                        <a:rPr kumimoji="1" lang="ja-JP" altLang="en-US"/>
+                        <a:t>シンプルに。同じ入力を何度もさせない。</a:t>
+                      </a:r>
                       <a:endParaRPr kumimoji="1" lang="en-US" altLang="ja-JP" dirty="0"/>
                     </a:p>
                     <a:p>

--- a/240604_Step3-1発表.pptx
+++ b/240604_Step3-1発表.pptx
@@ -10,9 +10,10 @@
     <p:sldId id="258" r:id="rId4"/>
     <p:sldId id="259" r:id="rId5"/>
     <p:sldId id="260" r:id="rId6"/>
-    <p:sldId id="261" r:id="rId7"/>
-    <p:sldId id="262" r:id="rId8"/>
-    <p:sldId id="263" r:id="rId9"/>
+    <p:sldId id="264" r:id="rId7"/>
+    <p:sldId id="261" r:id="rId8"/>
+    <p:sldId id="262" r:id="rId9"/>
+    <p:sldId id="263" r:id="rId10"/>
   </p:sldIdLst>
   <p:sldSz cx="12192000" cy="6858000"/>
   <p:notesSz cx="6858000" cy="9144000"/>
@@ -122,7 +123,7 @@
 <file path=ppt/revisionInfo.xml><?xml version="1.0" encoding="utf-8"?>
 <p1510:revInfo xmlns:a="http://schemas.openxmlformats.org/drawingml/2006/main" xmlns:r="http://schemas.openxmlformats.org/officeDocument/2006/relationships" xmlns:p1510="http://schemas.microsoft.com/office/powerpoint/2015/10/main">
   <p1510:revLst>
-    <p1510:client id="{FD75EE3F-C972-415A-9B6D-647982300418}" v="67" dt="2024-05-31T05:42:01.326"/>
+    <p1510:client id="{F9184F03-1B76-491C-95FE-520423D2D10C}" v="3" dt="2024-06-03T05:45:30.068"/>
   </p1510:revLst>
 </p1510:revInfo>
 </file>
@@ -132,7 +133,7 @@
   <pc:docChgLst>
     <pc:chgData name="Hirotsugu Kawai" userId="655514748c684ff0" providerId="LiveId" clId="{FD75EE3F-C972-415A-9B6D-647982300418}"/>
     <pc:docChg chg="undo custSel addSld modSld modMainMaster">
-      <pc:chgData name="Hirotsugu Kawai" userId="655514748c684ff0" providerId="LiveId" clId="{FD75EE3F-C972-415A-9B6D-647982300418}" dt="2024-06-02T12:11:08.415" v="3774" actId="207"/>
+      <pc:chgData name="Hirotsugu Kawai" userId="655514748c684ff0" providerId="LiveId" clId="{FD75EE3F-C972-415A-9B6D-647982300418}" dt="2024-06-03T15:47:37.349" v="3831" actId="20577"/>
       <pc:docMkLst>
         <pc:docMk/>
       </pc:docMkLst>
@@ -760,6 +761,21 @@
           </ac:graphicFrameMkLst>
         </pc:graphicFrameChg>
       </pc:sldChg>
+      <pc:sldChg chg="modSp mod">
+        <pc:chgData name="Hirotsugu Kawai" userId="655514748c684ff0" providerId="LiveId" clId="{FD75EE3F-C972-415A-9B6D-647982300418}" dt="2024-06-03T15:47:37.349" v="3831" actId="20577"/>
+        <pc:sldMkLst>
+          <pc:docMk/>
+          <pc:sldMk cId="3511097337" sldId="264"/>
+        </pc:sldMkLst>
+        <pc:spChg chg="mod">
+          <ac:chgData name="Hirotsugu Kawai" userId="655514748c684ff0" providerId="LiveId" clId="{FD75EE3F-C972-415A-9B6D-647982300418}" dt="2024-06-03T15:47:37.349" v="3831" actId="20577"/>
+          <ac:spMkLst>
+            <pc:docMk/>
+            <pc:sldMk cId="3511097337" sldId="264"/>
+            <ac:spMk id="4" creationId="{556B87C8-8828-F360-C53F-331887C4C49D}"/>
+          </ac:spMkLst>
+        </pc:spChg>
+      </pc:sldChg>
       <pc:sldMasterChg chg="modSldLayout">
         <pc:chgData name="Hirotsugu Kawai" userId="655514748c684ff0" providerId="LiveId" clId="{FD75EE3F-C972-415A-9B6D-647982300418}" dt="2024-05-27T11:14:17.506" v="5" actId="255"/>
         <pc:sldMasterMkLst>
@@ -810,6 +826,62 @@
       </pc:sldMasterChg>
     </pc:docChg>
   </pc:docChgLst>
+  <pc:docChgLst>
+    <pc:chgData name="Hirotsugu Kawai" userId="655514748c684ff0" providerId="LiveId" clId="{F9184F03-1B76-491C-95FE-520423D2D10C}"/>
+    <pc:docChg chg="addSld modSld">
+      <pc:chgData name="Hirotsugu Kawai" userId="655514748c684ff0" providerId="LiveId" clId="{F9184F03-1B76-491C-95FE-520423D2D10C}" dt="2024-06-03T05:45:36.706" v="586" actId="1076"/>
+      <pc:docMkLst>
+        <pc:docMk/>
+      </pc:docMkLst>
+      <pc:sldChg chg="addSp modSp new mod">
+        <pc:chgData name="Hirotsugu Kawai" userId="655514748c684ff0" providerId="LiveId" clId="{F9184F03-1B76-491C-95FE-520423D2D10C}" dt="2024-06-03T05:45:36.706" v="586" actId="1076"/>
+        <pc:sldMkLst>
+          <pc:docMk/>
+          <pc:sldMk cId="3511097337" sldId="264"/>
+        </pc:sldMkLst>
+        <pc:spChg chg="mod">
+          <ac:chgData name="Hirotsugu Kawai" userId="655514748c684ff0" providerId="LiveId" clId="{F9184F03-1B76-491C-95FE-520423D2D10C}" dt="2024-06-03T05:35:01.413" v="18" actId="20577"/>
+          <ac:spMkLst>
+            <pc:docMk/>
+            <pc:sldMk cId="3511097337" sldId="264"/>
+            <ac:spMk id="2" creationId="{00F31A21-05A6-D8C2-065F-1708A5DE9057}"/>
+          </ac:spMkLst>
+        </pc:spChg>
+        <pc:spChg chg="add mod">
+          <ac:chgData name="Hirotsugu Kawai" userId="655514748c684ff0" providerId="LiveId" clId="{F9184F03-1B76-491C-95FE-520423D2D10C}" dt="2024-06-03T05:44:31.088" v="487" actId="108"/>
+          <ac:spMkLst>
+            <pc:docMk/>
+            <pc:sldMk cId="3511097337" sldId="264"/>
+            <ac:spMk id="4" creationId="{556B87C8-8828-F360-C53F-331887C4C49D}"/>
+          </ac:spMkLst>
+        </pc:spChg>
+        <pc:spChg chg="add mod">
+          <ac:chgData name="Hirotsugu Kawai" userId="655514748c684ff0" providerId="LiveId" clId="{F9184F03-1B76-491C-95FE-520423D2D10C}" dt="2024-06-03T05:45:36.706" v="586" actId="1076"/>
+          <ac:spMkLst>
+            <pc:docMk/>
+            <pc:sldMk cId="3511097337" sldId="264"/>
+            <ac:spMk id="5" creationId="{AB0B73D7-7D5E-5DDB-5DB9-B9770B196E01}"/>
+          </ac:spMkLst>
+        </pc:spChg>
+        <pc:spChg chg="add mod">
+          <ac:chgData name="Hirotsugu Kawai" userId="655514748c684ff0" providerId="LiveId" clId="{F9184F03-1B76-491C-95FE-520423D2D10C}" dt="2024-06-03T05:45:32.687" v="585" actId="1076"/>
+          <ac:spMkLst>
+            <pc:docMk/>
+            <pc:sldMk cId="3511097337" sldId="264"/>
+            <ac:spMk id="6" creationId="{3787E256-3BAA-2923-C110-2D1246DBAF90}"/>
+          </ac:spMkLst>
+        </pc:spChg>
+        <pc:picChg chg="add mod">
+          <ac:chgData name="Hirotsugu Kawai" userId="655514748c684ff0" providerId="LiveId" clId="{F9184F03-1B76-491C-95FE-520423D2D10C}" dt="2024-06-03T05:35:16.871" v="19"/>
+          <ac:picMkLst>
+            <pc:docMk/>
+            <pc:sldMk cId="3511097337" sldId="264"/>
+            <ac:picMk id="3" creationId="{AD1B96DF-A133-9855-ECCD-DAF58E643481}"/>
+          </ac:picMkLst>
+        </pc:picChg>
+      </pc:sldChg>
+    </pc:docChg>
+  </pc:docChgLst>
 </pc:chgInfo>
 </file>
 
@@ -960,7 +1032,7 @@
           <a:p>
             <a:fld id="{6CC5C837-6054-460F-B913-8294A398D4B3}" type="datetimeFigureOut">
               <a:rPr kumimoji="1" lang="ja-JP" altLang="en-US" smtClean="0"/>
-              <a:t>2024/6/2</a:t>
+              <a:t>2024/6/4</a:t>
             </a:fld>
             <a:endParaRPr kumimoji="1" lang="ja-JP" altLang="en-US"/>
           </a:p>
@@ -1190,7 +1262,7 @@
           <a:p>
             <a:fld id="{6CC5C837-6054-460F-B913-8294A398D4B3}" type="datetimeFigureOut">
               <a:rPr kumimoji="1" lang="ja-JP" altLang="en-US" smtClean="0"/>
-              <a:t>2024/6/2</a:t>
+              <a:t>2024/6/4</a:t>
             </a:fld>
             <a:endParaRPr kumimoji="1" lang="ja-JP" altLang="en-US"/>
           </a:p>
@@ -1430,7 +1502,7 @@
           <a:p>
             <a:fld id="{6CC5C837-6054-460F-B913-8294A398D4B3}" type="datetimeFigureOut">
               <a:rPr kumimoji="1" lang="ja-JP" altLang="en-US" smtClean="0"/>
-              <a:t>2024/6/2</a:t>
+              <a:t>2024/6/4</a:t>
             </a:fld>
             <a:endParaRPr kumimoji="1" lang="ja-JP" altLang="en-US"/>
           </a:p>
@@ -1660,7 +1732,7 @@
           <a:p>
             <a:fld id="{6CC5C837-6054-460F-B913-8294A398D4B3}" type="datetimeFigureOut">
               <a:rPr kumimoji="1" lang="ja-JP" altLang="en-US" smtClean="0"/>
-              <a:t>2024/6/2</a:t>
+              <a:t>2024/6/4</a:t>
             </a:fld>
             <a:endParaRPr kumimoji="1" lang="ja-JP" altLang="en-US"/>
           </a:p>
@@ -1935,7 +2007,7 @@
           <a:p>
             <a:fld id="{6CC5C837-6054-460F-B913-8294A398D4B3}" type="datetimeFigureOut">
               <a:rPr kumimoji="1" lang="ja-JP" altLang="en-US" smtClean="0"/>
-              <a:t>2024/6/2</a:t>
+              <a:t>2024/6/4</a:t>
             </a:fld>
             <a:endParaRPr kumimoji="1" lang="ja-JP" altLang="en-US"/>
           </a:p>
@@ -2264,7 +2336,7 @@
           <a:p>
             <a:fld id="{6CC5C837-6054-460F-B913-8294A398D4B3}" type="datetimeFigureOut">
               <a:rPr kumimoji="1" lang="ja-JP" altLang="en-US" smtClean="0"/>
-              <a:t>2024/6/2</a:t>
+              <a:t>2024/6/4</a:t>
             </a:fld>
             <a:endParaRPr kumimoji="1" lang="ja-JP" altLang="en-US"/>
           </a:p>
@@ -2740,7 +2812,7 @@
           <a:p>
             <a:fld id="{6CC5C837-6054-460F-B913-8294A398D4B3}" type="datetimeFigureOut">
               <a:rPr kumimoji="1" lang="ja-JP" altLang="en-US" smtClean="0"/>
-              <a:t>2024/6/2</a:t>
+              <a:t>2024/6/4</a:t>
             </a:fld>
             <a:endParaRPr kumimoji="1" lang="ja-JP" altLang="en-US"/>
           </a:p>
@@ -2911,7 +2983,7 @@
           <a:p>
             <a:fld id="{6CC5C837-6054-460F-B913-8294A398D4B3}" type="datetimeFigureOut">
               <a:rPr kumimoji="1" lang="ja-JP" altLang="en-US" smtClean="0"/>
-              <a:t>2024/6/2</a:t>
+              <a:t>2024/6/4</a:t>
             </a:fld>
             <a:endParaRPr kumimoji="1" lang="ja-JP" altLang="en-US"/>
           </a:p>
@@ -3024,7 +3096,7 @@
           <a:p>
             <a:fld id="{6CC5C837-6054-460F-B913-8294A398D4B3}" type="datetimeFigureOut">
               <a:rPr kumimoji="1" lang="ja-JP" altLang="en-US" smtClean="0"/>
-              <a:t>2024/6/2</a:t>
+              <a:t>2024/6/4</a:t>
             </a:fld>
             <a:endParaRPr kumimoji="1" lang="ja-JP" altLang="en-US"/>
           </a:p>
@@ -3367,7 +3439,7 @@
           <a:p>
             <a:fld id="{6CC5C837-6054-460F-B913-8294A398D4B3}" type="datetimeFigureOut">
               <a:rPr kumimoji="1" lang="ja-JP" altLang="en-US" smtClean="0"/>
-              <a:t>2024/6/2</a:t>
+              <a:t>2024/6/4</a:t>
             </a:fld>
             <a:endParaRPr kumimoji="1" lang="ja-JP" altLang="en-US"/>
           </a:p>
@@ -3655,7 +3727,7 @@
           <a:p>
             <a:fld id="{6CC5C837-6054-460F-B913-8294A398D4B3}" type="datetimeFigureOut">
               <a:rPr kumimoji="1" lang="ja-JP" altLang="en-US" smtClean="0"/>
-              <a:t>2024/6/2</a:t>
+              <a:t>2024/6/4</a:t>
             </a:fld>
             <a:endParaRPr kumimoji="1" lang="ja-JP" altLang="en-US"/>
           </a:p>
@@ -3928,7 +4000,7 @@
           <a:p>
             <a:fld id="{6CC5C837-6054-460F-B913-8294A398D4B3}" type="datetimeFigureOut">
               <a:rPr kumimoji="1" lang="ja-JP" altLang="en-US" smtClean="0"/>
-              <a:t>2024/6/2</a:t>
+              <a:t>2024/6/4</a:t>
             </a:fld>
             <a:endParaRPr kumimoji="1" lang="ja-JP" altLang="en-US"/>
           </a:p>
@@ -5953,6 +6025,322 @@
 </file>
 
 <file path=ppt/slides/slide6.xml><?xml version="1.0" encoding="utf-8"?>
+<p:sld xmlns:a="http://schemas.openxmlformats.org/drawingml/2006/main" xmlns:r="http://schemas.openxmlformats.org/officeDocument/2006/relationships" xmlns:p="http://schemas.openxmlformats.org/presentationml/2006/main">
+  <p:cSld>
+    <p:spTree>
+      <p:nvGrpSpPr>
+        <p:cNvPr id="1" name=""/>
+        <p:cNvGrpSpPr/>
+        <p:nvPr/>
+      </p:nvGrpSpPr>
+      <p:grpSpPr>
+        <a:xfrm>
+          <a:off x="0" y="0"/>
+          <a:ext cx="0" cy="0"/>
+          <a:chOff x="0" y="0"/>
+          <a:chExt cx="0" cy="0"/>
+        </a:xfrm>
+      </p:grpSpPr>
+      <p:sp>
+        <p:nvSpPr>
+          <p:cNvPr id="2" name="タイトル 1">
+            <a:extLst>
+              <a:ext uri="{FF2B5EF4-FFF2-40B4-BE49-F238E27FC236}">
+                <a16:creationId xmlns:a16="http://schemas.microsoft.com/office/drawing/2014/main" id="{00F31A21-05A6-D8C2-065F-1708A5DE9057}"/>
+              </a:ext>
+            </a:extLst>
+          </p:cNvPr>
+          <p:cNvSpPr>
+            <a:spLocks noGrp="1"/>
+          </p:cNvSpPr>
+          <p:nvPr>
+            <p:ph type="title"/>
+          </p:nvPr>
+        </p:nvSpPr>
+        <p:spPr/>
+        <p:txBody>
+          <a:bodyPr/>
+          <a:lstStyle/>
+          <a:p>
+            <a:r>
+              <a:rPr kumimoji="1" lang="en-US" altLang="ja-JP" dirty="0"/>
+              <a:t>	</a:t>
+            </a:r>
+            <a:r>
+              <a:rPr kumimoji="1" lang="ja-JP" altLang="en-US" dirty="0"/>
+              <a:t>提案のロジック</a:t>
+            </a:r>
+          </a:p>
+        </p:txBody>
+      </p:sp>
+      <p:pic>
+        <p:nvPicPr>
+          <p:cNvPr id="3" name="図 2">
+            <a:extLst>
+              <a:ext uri="{FF2B5EF4-FFF2-40B4-BE49-F238E27FC236}">
+                <a16:creationId xmlns:a16="http://schemas.microsoft.com/office/drawing/2014/main" id="{AD1B96DF-A133-9855-ECCD-DAF58E643481}"/>
+              </a:ext>
+            </a:extLst>
+          </p:cNvPr>
+          <p:cNvPicPr>
+            <a:picLocks noChangeAspect="1"/>
+          </p:cNvPicPr>
+          <p:nvPr/>
+        </p:nvPicPr>
+        <p:blipFill>
+          <a:blip r:embed="rId2"/>
+          <a:stretch>
+            <a:fillRect/>
+          </a:stretch>
+        </p:blipFill>
+        <p:spPr>
+          <a:xfrm>
+            <a:off x="1014133" y="1187646"/>
+            <a:ext cx="2705100" cy="3562350"/>
+          </a:xfrm>
+          <a:prstGeom prst="rect">
+            <a:avLst/>
+          </a:prstGeom>
+        </p:spPr>
+      </p:pic>
+      <p:sp>
+        <p:nvSpPr>
+          <p:cNvPr id="4" name="テキスト ボックス 3">
+            <a:extLst>
+              <a:ext uri="{FF2B5EF4-FFF2-40B4-BE49-F238E27FC236}">
+                <a16:creationId xmlns:a16="http://schemas.microsoft.com/office/drawing/2014/main" id="{556B87C8-8828-F360-C53F-331887C4C49D}"/>
+              </a:ext>
+            </a:extLst>
+          </p:cNvPr>
+          <p:cNvSpPr txBox="1"/>
+          <p:nvPr/>
+        </p:nvSpPr>
+        <p:spPr>
+          <a:xfrm>
+            <a:off x="3848099" y="1187646"/>
+            <a:ext cx="7268136" cy="3477875"/>
+          </a:xfrm>
+          <a:prstGeom prst="rect">
+            <a:avLst/>
+          </a:prstGeom>
+          <a:noFill/>
+        </p:spPr>
+        <p:txBody>
+          <a:bodyPr wrap="square" rtlCol="0">
+            <a:spAutoFit/>
+          </a:bodyPr>
+          <a:lstStyle/>
+          <a:p>
+            <a:pPr>
+              <a:spcAft>
+                <a:spcPts val="1200"/>
+              </a:spcAft>
+            </a:pPr>
+            <a:r>
+              <a:rPr kumimoji="1" lang="en-US" altLang="ja-JP" sz="2800" dirty="0"/>
+              <a:t>【</a:t>
+            </a:r>
+            <a:r>
+              <a:rPr lang="ja-JP" altLang="en-US" sz="2800" dirty="0"/>
+              <a:t>提案の根拠</a:t>
+            </a:r>
+            <a:r>
+              <a:rPr kumimoji="1" lang="en-US" altLang="ja-JP" sz="2800" dirty="0"/>
+              <a:t>】</a:t>
+            </a:r>
+            <a:endParaRPr lang="en-US" altLang="ja-JP" sz="2400" dirty="0"/>
+          </a:p>
+          <a:p>
+            <a:pPr marL="914400" lvl="1" indent="-457200">
+              <a:spcAft>
+                <a:spcPts val="1200"/>
+              </a:spcAft>
+              <a:buFont typeface="Arial" panose="020B0604020202020204" pitchFamily="34" charset="0"/>
+              <a:buChar char="•"/>
+            </a:pPr>
+            <a:r>
+              <a:rPr kumimoji="1" lang="ja-JP" altLang="en-US" sz="2800" b="1" dirty="0"/>
+              <a:t>所得</a:t>
+            </a:r>
+            <a:r>
+              <a:rPr kumimoji="1" lang="ja-JP" altLang="en-US" sz="2400" dirty="0"/>
+              <a:t>と希望する</a:t>
+            </a:r>
+            <a:r>
+              <a:rPr lang="ja-JP" altLang="en-US" sz="2800" b="1" dirty="0"/>
+              <a:t>グレード</a:t>
+            </a:r>
+            <a:r>
+              <a:rPr kumimoji="1" lang="ja-JP" altLang="en-US" sz="2400" dirty="0"/>
+              <a:t>を基に</a:t>
+            </a:r>
+            <a:br>
+              <a:rPr kumimoji="1" lang="en-US" altLang="ja-JP" sz="2400" dirty="0"/>
+            </a:br>
+            <a:r>
+              <a:rPr kumimoji="1" lang="ja-JP" altLang="en-US" sz="2400" dirty="0"/>
+              <a:t>合理的な賃料水準を決定。</a:t>
+            </a:r>
+            <a:endParaRPr kumimoji="1" lang="en-US" altLang="ja-JP" sz="2400" dirty="0"/>
+          </a:p>
+          <a:p>
+            <a:pPr marL="914400" lvl="1" indent="-457200">
+              <a:spcAft>
+                <a:spcPts val="1200"/>
+              </a:spcAft>
+              <a:buFont typeface="Arial" panose="020B0604020202020204" pitchFamily="34" charset="0"/>
+              <a:buChar char="•"/>
+            </a:pPr>
+            <a:r>
+              <a:rPr lang="ja-JP" altLang="en-US" sz="2800" b="1" dirty="0"/>
+              <a:t>世帯構成</a:t>
+            </a:r>
+            <a:r>
+              <a:rPr kumimoji="1" lang="ja-JP" altLang="en-US" sz="2400" dirty="0"/>
+              <a:t>から一般的な間取りを抽出。</a:t>
+            </a:r>
+            <a:endParaRPr kumimoji="1" lang="en-US" altLang="ja-JP" sz="2400" dirty="0"/>
+          </a:p>
+          <a:p>
+            <a:pPr marL="914400" lvl="1" indent="-457200">
+              <a:spcAft>
+                <a:spcPts val="1200"/>
+              </a:spcAft>
+              <a:buFont typeface="Arial" panose="020B0604020202020204" pitchFamily="34" charset="0"/>
+              <a:buChar char="•"/>
+            </a:pPr>
+            <a:r>
+              <a:rPr lang="ja-JP" altLang="en-US" sz="2800" b="1" dirty="0"/>
+              <a:t>周辺施設</a:t>
+            </a:r>
+            <a:r>
+              <a:rPr lang="ja-JP" altLang="en-US" sz="2400" dirty="0"/>
+              <a:t>の立地を基準に、</a:t>
+            </a:r>
+            <a:br>
+              <a:rPr lang="en-US" altLang="ja-JP" sz="2400" dirty="0"/>
+            </a:br>
+            <a:r>
+              <a:rPr lang="ja-JP" altLang="en-US" sz="2400" dirty="0"/>
+              <a:t>条件に合致する物件を提案。</a:t>
+            </a:r>
+            <a:endParaRPr kumimoji="1" lang="en-US" altLang="ja-JP" sz="2400" dirty="0"/>
+          </a:p>
+          <a:p>
+            <a:pPr marL="285750" indent="-285750">
+              <a:spcAft>
+                <a:spcPts val="1200"/>
+              </a:spcAft>
+              <a:buFont typeface="Arial" panose="020B0604020202020204" pitchFamily="34" charset="0"/>
+              <a:buChar char="•"/>
+            </a:pPr>
+            <a:endParaRPr kumimoji="1" lang="ja-JP" altLang="en-US" sz="2000" dirty="0"/>
+          </a:p>
+        </p:txBody>
+      </p:sp>
+      <p:sp>
+        <p:nvSpPr>
+          <p:cNvPr id="5" name="テキスト ボックス 4">
+            <a:extLst>
+              <a:ext uri="{FF2B5EF4-FFF2-40B4-BE49-F238E27FC236}">
+                <a16:creationId xmlns:a16="http://schemas.microsoft.com/office/drawing/2014/main" id="{AB0B73D7-7D5E-5DDB-5DB9-B9770B196E01}"/>
+              </a:ext>
+            </a:extLst>
+          </p:cNvPr>
+          <p:cNvSpPr txBox="1"/>
+          <p:nvPr/>
+        </p:nvSpPr>
+        <p:spPr>
+          <a:xfrm>
+            <a:off x="3303307" y="5414463"/>
+            <a:ext cx="6918134" cy="523220"/>
+          </a:xfrm>
+          <a:prstGeom prst="rect">
+            <a:avLst/>
+          </a:prstGeom>
+          <a:noFill/>
+        </p:spPr>
+        <p:txBody>
+          <a:bodyPr wrap="square" rtlCol="0">
+            <a:spAutoFit/>
+          </a:bodyPr>
+          <a:lstStyle/>
+          <a:p>
+            <a:pPr algn="ctr"/>
+            <a:r>
+              <a:rPr kumimoji="1" lang="ja-JP" altLang="en-US" sz="2800" dirty="0"/>
+              <a:t>入力や判断、下調べの手間を大幅削減</a:t>
+            </a:r>
+            <a:endParaRPr kumimoji="1" lang="en-US" altLang="ja-JP" sz="2800" dirty="0"/>
+          </a:p>
+        </p:txBody>
+      </p:sp>
+      <p:sp>
+        <p:nvSpPr>
+          <p:cNvPr id="6" name="二等辺三角形 5">
+            <a:extLst>
+              <a:ext uri="{FF2B5EF4-FFF2-40B4-BE49-F238E27FC236}">
+                <a16:creationId xmlns:a16="http://schemas.microsoft.com/office/drawing/2014/main" id="{3787E256-3BAA-2923-C110-2D1246DBAF90}"/>
+              </a:ext>
+            </a:extLst>
+          </p:cNvPr>
+          <p:cNvSpPr/>
+          <p:nvPr/>
+        </p:nvSpPr>
+        <p:spPr>
+          <a:xfrm rot="10800000">
+            <a:off x="6096000" y="4857540"/>
+            <a:ext cx="1332752" cy="441444"/>
+          </a:xfrm>
+          <a:prstGeom prst="triangle">
+            <a:avLst/>
+          </a:prstGeom>
+          <a:solidFill>
+            <a:schemeClr val="accent1"/>
+          </a:solidFill>
+          <a:ln>
+            <a:noFill/>
+          </a:ln>
+        </p:spPr>
+        <p:style>
+          <a:lnRef idx="2">
+            <a:schemeClr val="accent1">
+              <a:shade val="15000"/>
+            </a:schemeClr>
+          </a:lnRef>
+          <a:fillRef idx="1">
+            <a:schemeClr val="accent1"/>
+          </a:fillRef>
+          <a:effectRef idx="0">
+            <a:schemeClr val="accent1"/>
+          </a:effectRef>
+          <a:fontRef idx="minor">
+            <a:schemeClr val="lt1"/>
+          </a:fontRef>
+        </p:style>
+        <p:txBody>
+          <a:bodyPr rtlCol="0" anchor="ctr"/>
+          <a:lstStyle/>
+          <a:p>
+            <a:pPr algn="ctr"/>
+            <a:endParaRPr kumimoji="1" lang="ja-JP" altLang="en-US"/>
+          </a:p>
+        </p:txBody>
+      </p:sp>
+    </p:spTree>
+    <p:extLst>
+      <p:ext uri="{BB962C8B-B14F-4D97-AF65-F5344CB8AC3E}">
+        <p14:creationId xmlns:p14="http://schemas.microsoft.com/office/powerpoint/2010/main" val="3511097337"/>
+      </p:ext>
+    </p:extLst>
+  </p:cSld>
+  <p:clrMapOvr>
+    <a:masterClrMapping/>
+  </p:clrMapOvr>
+</p:sld>
+</file>
+
+<file path=ppt/slides/slide7.xml><?xml version="1.0" encoding="utf-8"?>
 <p:sld xmlns:a="http://schemas.openxmlformats.org/drawingml/2006/main" xmlns:r="http://schemas.openxmlformats.org/officeDocument/2006/relationships" xmlns:p="http://schemas.openxmlformats.org/presentationml/2006/main">
   <p:cSld>
     <p:spTree>
@@ -6430,7 +6818,7 @@
 </p:sld>
 </file>
 
-<file path=ppt/slides/slide7.xml><?xml version="1.0" encoding="utf-8"?>
+<file path=ppt/slides/slide8.xml><?xml version="1.0" encoding="utf-8"?>
 <p:sld xmlns:a="http://schemas.openxmlformats.org/drawingml/2006/main" xmlns:r="http://schemas.openxmlformats.org/officeDocument/2006/relationships" xmlns:p="http://schemas.openxmlformats.org/presentationml/2006/main">
   <p:cSld>
     <p:spTree>
@@ -7969,7 +8357,7 @@
 </p:sld>
 </file>
 
-<file path=ppt/slides/slide8.xml><?xml version="1.0" encoding="utf-8"?>
+<file path=ppt/slides/slide9.xml><?xml version="1.0" encoding="utf-8"?>
 <p:sld xmlns:a="http://schemas.openxmlformats.org/drawingml/2006/main" xmlns:r="http://schemas.openxmlformats.org/officeDocument/2006/relationships" xmlns:p="http://schemas.openxmlformats.org/presentationml/2006/main">
   <p:cSld>
     <p:spTree>
@@ -8033,7 +8421,7 @@
           <p:nvPr>
             <p:extLst>
               <p:ext uri="{D42A27DB-BD31-4B8C-83A1-F6EECF244321}">
-                <p14:modId xmlns:p14="http://schemas.microsoft.com/office/powerpoint/2010/main" val="3223768821"/>
+                <p14:modId xmlns:p14="http://schemas.microsoft.com/office/powerpoint/2010/main" val="1763412768"/>
               </p:ext>
             </p:extLst>
           </p:nvPr>
